--- a/ppt and report/oss.pptx
+++ b/ppt and report/oss.pptx
@@ -11392,6 +11392,8 @@
                 <a:solidFill>
                   <a:schemeClr val="dk1"/>
                 </a:solidFill>
+                <a:latin typeface="태 나무"/>
+                <a:ea typeface="태 나무"/>
               </a:rPr>
               <a:t>왕우박</a:t>
             </a:r>
@@ -11400,6 +11402,8 @@
                 <a:solidFill>
                   <a:schemeClr val="dk1"/>
                 </a:solidFill>
+                <a:latin typeface="태 나무"/>
+                <a:ea typeface="태 나무"/>
               </a:rPr>
               <a:t>(</a:t>
             </a:r>
@@ -11408,6 +11412,8 @@
                 <a:solidFill>
                   <a:schemeClr val="dk1"/>
                 </a:solidFill>
+                <a:latin typeface="태 나무"/>
+                <a:ea typeface="태 나무"/>
               </a:rPr>
               <a:t>팀장</a:t>
             </a:r>
@@ -11416,6 +11422,8 @@
                 <a:solidFill>
                   <a:schemeClr val="dk1"/>
                 </a:solidFill>
+                <a:latin typeface="태 나무"/>
+                <a:ea typeface="태 나무"/>
               </a:rPr>
               <a:t>):</a:t>
             </a:r>
@@ -11423,6 +11431,8 @@
               <a:solidFill>
                 <a:schemeClr val="dk1"/>
               </a:solidFill>
+              <a:latin typeface="태 나무"/>
+              <a:ea typeface="태 나무"/>
             </a:endParaRPr>
           </a:p>
           <a:p>
@@ -11434,6 +11444,8 @@
                 <a:solidFill>
                   <a:schemeClr val="dk1"/>
                 </a:solidFill>
+                <a:latin typeface="태 나무"/>
+                <a:ea typeface="태 나무"/>
               </a:rPr>
               <a:t>날씨 정보 추출</a:t>
             </a:r>
@@ -11442,6 +11454,8 @@
                 <a:solidFill>
                   <a:schemeClr val="dk1"/>
                 </a:solidFill>
+                <a:latin typeface="태 나무"/>
+                <a:ea typeface="태 나무"/>
               </a:rPr>
               <a:t>(</a:t>
             </a:r>
@@ -11450,6 +11464,8 @@
                 <a:solidFill>
                   <a:schemeClr val="dk1"/>
                 </a:solidFill>
+                <a:latin typeface="태 나무"/>
+                <a:ea typeface="태 나무"/>
               </a:rPr>
               <a:t>개인 완성</a:t>
             </a:r>
@@ -11458,6 +11474,8 @@
                 <a:solidFill>
                   <a:schemeClr val="dk1"/>
                 </a:solidFill>
+                <a:latin typeface="태 나무"/>
+                <a:ea typeface="태 나무"/>
               </a:rPr>
               <a:t>)</a:t>
             </a:r>
@@ -11465,6 +11483,8 @@
               <a:solidFill>
                 <a:schemeClr val="dk1"/>
               </a:solidFill>
+              <a:latin typeface="태 나무"/>
+              <a:ea typeface="태 나무"/>
             </a:endParaRPr>
           </a:p>
           <a:p>
@@ -11476,6 +11496,8 @@
                 <a:solidFill>
                   <a:schemeClr val="dk1"/>
                 </a:solidFill>
+                <a:latin typeface="태 나무"/>
+                <a:ea typeface="태 나무"/>
               </a:rPr>
               <a:t>ui구현</a:t>
             </a:r>
@@ -11483,6 +11505,8 @@
               <a:solidFill>
                 <a:schemeClr val="dk1"/>
               </a:solidFill>
+              <a:latin typeface="태 나무"/>
+              <a:ea typeface="태 나무"/>
             </a:endParaRPr>
           </a:p>
           <a:p>
@@ -11494,6 +11518,8 @@
                 <a:solidFill>
                   <a:schemeClr val="dk1"/>
                 </a:solidFill>
+                <a:latin typeface="태 나무"/>
+                <a:ea typeface="태 나무"/>
               </a:rPr>
               <a:t>소스코드 작성</a:t>
             </a:r>
@@ -11501,6 +11527,8 @@
               <a:solidFill>
                 <a:schemeClr val="dk1"/>
               </a:solidFill>
+              <a:latin typeface="태 나무"/>
+              <a:ea typeface="태 나무"/>
             </a:endParaRPr>
           </a:p>
           <a:p>
@@ -11511,6 +11539,8 @@
               <a:solidFill>
                 <a:schemeClr val="dk1"/>
               </a:solidFill>
+              <a:latin typeface="태 나무"/>
+              <a:ea typeface="태 나무"/>
             </a:endParaRPr>
           </a:p>
         </p:txBody>
@@ -11543,6 +11573,8 @@
                 <a:solidFill>
                   <a:schemeClr val="dk1"/>
                 </a:solidFill>
+                <a:latin typeface="태 나무"/>
+                <a:ea typeface="태 나무"/>
               </a:rPr>
               <a:t>원복용</a:t>
             </a:r>
@@ -11551,6 +11583,8 @@
                 <a:solidFill>
                   <a:schemeClr val="dk1"/>
                 </a:solidFill>
+                <a:latin typeface="태 나무"/>
+                <a:ea typeface="태 나무"/>
               </a:rPr>
               <a:t>:</a:t>
             </a:r>
@@ -11558,6 +11592,8 @@
               <a:solidFill>
                 <a:schemeClr val="dk1"/>
               </a:solidFill>
+              <a:latin typeface="태 나무"/>
+              <a:ea typeface="태 나무"/>
             </a:endParaRPr>
           </a:p>
           <a:p>
@@ -11569,6 +11605,8 @@
                 <a:solidFill>
                   <a:schemeClr val="dk1"/>
                 </a:solidFill>
+                <a:latin typeface="태 나무"/>
+                <a:ea typeface="태 나무"/>
               </a:rPr>
               <a:t>자료수집</a:t>
             </a:r>
@@ -11576,6 +11614,8 @@
               <a:solidFill>
                 <a:schemeClr val="dk1"/>
               </a:solidFill>
+              <a:latin typeface="태 나무"/>
+              <a:ea typeface="태 나무"/>
             </a:endParaRPr>
           </a:p>
           <a:p>
@@ -11587,6 +11627,8 @@
                 <a:solidFill>
                   <a:schemeClr val="dk1"/>
                 </a:solidFill>
+                <a:latin typeface="태 나무"/>
+                <a:ea typeface="태 나무"/>
               </a:rPr>
               <a:t>소스코드 작성</a:t>
             </a:r>
@@ -11594,6 +11636,8 @@
               <a:solidFill>
                 <a:schemeClr val="dk1"/>
               </a:solidFill>
+              <a:latin typeface="태 나무"/>
+              <a:ea typeface="태 나무"/>
             </a:endParaRPr>
           </a:p>
           <a:p>
@@ -11605,10 +11649,15 @@
                 <a:solidFill>
                   <a:schemeClr val="dk1"/>
                 </a:solidFill>
+                <a:latin typeface="태 나무"/>
+                <a:ea typeface="태 나무"/>
               </a:rPr>
               <a:t>프로젝트 제안서 발표</a:t>
             </a:r>
-            <a:endParaRPr lang="ko-KR" altLang="en-US"/>
+            <a:endParaRPr lang="ko-KR" altLang="en-US">
+              <a:latin typeface="태 나무"/>
+              <a:ea typeface="태 나무"/>
+            </a:endParaRPr>
           </a:p>
         </p:txBody>
       </p:sp>
@@ -11640,6 +11689,8 @@
                 <a:solidFill>
                   <a:schemeClr val="dk1"/>
                 </a:solidFill>
+                <a:latin typeface="태 나무"/>
+                <a:ea typeface="태 나무"/>
               </a:rPr>
               <a:t>요지학</a:t>
             </a:r>
@@ -11648,6 +11699,8 @@
                 <a:solidFill>
                   <a:schemeClr val="dk1"/>
                 </a:solidFill>
+                <a:latin typeface="태 나무"/>
+                <a:ea typeface="태 나무"/>
               </a:rPr>
               <a:t>:</a:t>
             </a:r>
@@ -11655,6 +11708,8 @@
               <a:solidFill>
                 <a:schemeClr val="dk1"/>
               </a:solidFill>
+              <a:latin typeface="태 나무"/>
+              <a:ea typeface="태 나무"/>
             </a:endParaRPr>
           </a:p>
           <a:p>
@@ -11666,6 +11721,8 @@
                 <a:solidFill>
                   <a:schemeClr val="dk1"/>
                 </a:solidFill>
+                <a:latin typeface="태 나무"/>
+                <a:ea typeface="태 나무"/>
               </a:rPr>
               <a:t>소스코드 작성</a:t>
             </a:r>
@@ -11674,6 +11731,8 @@
                 <a:solidFill>
                   <a:schemeClr val="dk1"/>
                 </a:solidFill>
+                <a:latin typeface="태 나무"/>
+                <a:ea typeface="태 나무"/>
               </a:rPr>
               <a:t>(</a:t>
             </a:r>
@@ -11682,6 +11741,8 @@
                 <a:solidFill>
                   <a:schemeClr val="dk1"/>
                 </a:solidFill>
+                <a:latin typeface="태 나무"/>
+                <a:ea typeface="태 나무"/>
               </a:rPr>
               <a:t>주로</a:t>
             </a:r>
@@ -11690,13 +11751,17 @@
                 <a:solidFill>
                   <a:schemeClr val="dk1"/>
                 </a:solidFill>
+                <a:latin typeface="태 나무"/>
+                <a:ea typeface="태 나무"/>
               </a:rPr>
               <a:t>)</a:t>
             </a:r>
-            <a:endParaRPr lang="ko-KR" altLang="en-US" b="1">
+            <a:endParaRPr lang="en-US" altLang="ko-KR" b="1">
               <a:solidFill>
                 <a:schemeClr val="dk1"/>
               </a:solidFill>
+              <a:latin typeface="태 나무"/>
+              <a:ea typeface="태 나무"/>
             </a:endParaRPr>
           </a:p>
           <a:p>
@@ -11704,28 +11769,46 @@
               <a:defRPr/>
             </a:pPr>
             <a:r>
-              <a:rPr lang="ko-KR" altLang="en-US"/>
+              <a:rPr lang="ko-KR" altLang="en-US">
+                <a:latin typeface="태 나무"/>
+                <a:ea typeface="태 나무"/>
+              </a:rPr>
               <a:t>ppt</a:t>
             </a:r>
             <a:r>
-              <a:rPr lang="en-US" altLang="ko-KR"/>
+              <a:rPr lang="en-US" altLang="ko-KR">
+                <a:latin typeface="태 나무"/>
+                <a:ea typeface="태 나무"/>
+              </a:rPr>
               <a:t>,</a:t>
             </a:r>
             <a:r>
-              <a:rPr lang="ko-KR" altLang="en-US"/>
+              <a:rPr lang="ko-KR" altLang="en-US">
+                <a:latin typeface="태 나무"/>
+                <a:ea typeface="태 나무"/>
+              </a:rPr>
               <a:t>최종보고서 제작</a:t>
             </a:r>
-            <a:endParaRPr lang="ko-KR" altLang="en-US"/>
+            <a:endParaRPr lang="ko-KR" altLang="en-US">
+              <a:latin typeface="태 나무"/>
+              <a:ea typeface="태 나무"/>
+            </a:endParaRPr>
           </a:p>
           <a:p>
             <a:pPr lvl="0">
               <a:defRPr/>
             </a:pPr>
             <a:r>
-              <a:rPr lang="ko-KR" altLang="en-US"/>
+              <a:rPr lang="ko-KR" altLang="en-US">
+                <a:latin typeface="태 나무"/>
+                <a:ea typeface="태 나무"/>
+              </a:rPr>
               <a:t>최종발표</a:t>
             </a:r>
-            <a:endParaRPr lang="ko-KR" altLang="en-US"/>
+            <a:endParaRPr lang="ko-KR" altLang="en-US">
+              <a:latin typeface="태 나무"/>
+              <a:ea typeface="태 나무"/>
+            </a:endParaRPr>
           </a:p>
         </p:txBody>
       </p:sp>
@@ -11757,6 +11840,8 @@
                 <a:solidFill>
                   <a:schemeClr val="dk1"/>
                 </a:solidFill>
+                <a:latin typeface="태 나무"/>
+                <a:ea typeface="태 나무"/>
               </a:rPr>
               <a:t>왕성룡</a:t>
             </a:r>
@@ -11765,6 +11850,8 @@
                 <a:solidFill>
                   <a:schemeClr val="dk1"/>
                 </a:solidFill>
+                <a:latin typeface="태 나무"/>
+                <a:ea typeface="태 나무"/>
               </a:rPr>
               <a:t>:</a:t>
             </a:r>
@@ -11772,6 +11859,8 @@
               <a:solidFill>
                 <a:schemeClr val="dk1"/>
               </a:solidFill>
+              <a:latin typeface="태 나무"/>
+              <a:ea typeface="태 나무"/>
             </a:endParaRPr>
           </a:p>
           <a:p>
@@ -11783,6 +11872,8 @@
                 <a:solidFill>
                   <a:schemeClr val="dk1"/>
                 </a:solidFill>
+                <a:latin typeface="태 나무"/>
+                <a:ea typeface="태 나무"/>
               </a:rPr>
               <a:t>ui구현</a:t>
             </a:r>
@@ -11791,6 +11882,8 @@
                 <a:solidFill>
                   <a:schemeClr val="dk1"/>
                 </a:solidFill>
+                <a:latin typeface="태 나무"/>
+                <a:ea typeface="태 나무"/>
               </a:rPr>
               <a:t>(</a:t>
             </a:r>
@@ -11799,6 +11892,8 @@
                 <a:solidFill>
                   <a:schemeClr val="dk1"/>
                 </a:solidFill>
+                <a:latin typeface="태 나무"/>
+                <a:ea typeface="태 나무"/>
               </a:rPr>
               <a:t>주로</a:t>
             </a:r>
@@ -11807,6 +11902,8 @@
                 <a:solidFill>
                   <a:schemeClr val="dk1"/>
                 </a:solidFill>
+                <a:latin typeface="태 나무"/>
+                <a:ea typeface="태 나무"/>
               </a:rPr>
               <a:t>)</a:t>
             </a:r>
@@ -11814,6 +11911,8 @@
               <a:solidFill>
                 <a:schemeClr val="dk1"/>
               </a:solidFill>
+              <a:latin typeface="태 나무"/>
+              <a:ea typeface="태 나무"/>
             </a:endParaRPr>
           </a:p>
           <a:p>
@@ -11825,13 +11924,17 @@
                 <a:solidFill>
                   <a:schemeClr val="dk1"/>
                 </a:solidFill>
+                <a:latin typeface="태 나무"/>
+                <a:ea typeface="태 나무"/>
               </a:rPr>
               <a:t>소스코드 작성</a:t>
             </a:r>
-            <a:endParaRPr lang="en-US" altLang="ko-KR" b="1">
+            <a:endParaRPr lang="ko-KR" altLang="en-US" b="1">
               <a:solidFill>
                 <a:schemeClr val="dk1"/>
               </a:solidFill>
+              <a:latin typeface="태 나무"/>
+              <a:ea typeface="태 나무"/>
             </a:endParaRPr>
           </a:p>
           <a:p>
@@ -11843,6 +11946,8 @@
                 <a:solidFill>
                   <a:schemeClr val="dk1"/>
                 </a:solidFill>
+                <a:latin typeface="태 나무"/>
+                <a:ea typeface="태 나무"/>
               </a:rPr>
               <a:t>프로젝트 제안서 발표</a:t>
             </a:r>
@@ -11851,6 +11956,8 @@
                 <a:solidFill>
                   <a:schemeClr val="dk1"/>
                 </a:solidFill>
+                <a:latin typeface="태 나무"/>
+                <a:ea typeface="태 나무"/>
               </a:rPr>
               <a:t>,</a:t>
             </a:r>
@@ -11859,14 +11966,22 @@
                 <a:solidFill>
                   <a:schemeClr val="dk1"/>
                 </a:solidFill>
+                <a:latin typeface="태 나무"/>
+                <a:ea typeface="태 나무"/>
               </a:rPr>
               <a:t> </a:t>
             </a:r>
             <a:r>
-              <a:rPr lang="ko-KR" altLang="en-US"/>
+              <a:rPr lang="ko-KR" altLang="en-US">
+                <a:latin typeface="태 나무"/>
+                <a:ea typeface="태 나무"/>
+              </a:rPr>
               <a:t>최종발표</a:t>
             </a:r>
-            <a:endParaRPr lang="ko-KR" altLang="en-US"/>
+            <a:endParaRPr lang="ko-KR" altLang="en-US">
+              <a:latin typeface="태 나무"/>
+              <a:ea typeface="태 나무"/>
+            </a:endParaRPr>
           </a:p>
         </p:txBody>
       </p:sp>
@@ -13332,7 +13447,7 @@
         <p:spPr>
           <a:xfrm>
             <a:off x="5190523" y="1554625"/>
-            <a:ext cx="905477" cy="548495"/>
+            <a:ext cx="1230837" cy="548495"/>
           </a:xfrm>
           <a:prstGeom prst="rect">
             <a:avLst/>
@@ -13688,8 +13803,8 @@
         </p:nvCxnSpPr>
         <p:spPr>
           <a:xfrm rot="10800000" flipV="1">
-            <a:off x="2822023" y="2103120"/>
-            <a:ext cx="2821238" cy="1325879"/>
+            <a:off x="2822022" y="2103120"/>
+            <a:ext cx="2983918" cy="1325880"/>
           </a:xfrm>
           <a:prstGeom prst="straightConnector1">
             <a:avLst/>
@@ -13724,8 +13839,8 @@
         </p:nvCxnSpPr>
         <p:spPr>
           <a:xfrm rot="16200000" flipH="1">
-            <a:off x="5166603" y="2579778"/>
-            <a:ext cx="1325880" cy="372563"/>
+            <a:off x="5247942" y="2661119"/>
+            <a:ext cx="1325880" cy="209882"/>
           </a:xfrm>
           <a:prstGeom prst="straightConnector1">
             <a:avLst/>
@@ -14005,8 +14120,8 @@
         </p:nvCxnSpPr>
         <p:spPr>
           <a:xfrm rot="10800000">
-            <a:off x="6096000" y="1828872"/>
-            <a:ext cx="1199668" cy="0"/>
+            <a:off x="6421360" y="1828872"/>
+            <a:ext cx="874308" cy="0"/>
           </a:xfrm>
           <a:prstGeom prst="straightConnector1">
             <a:avLst/>
